--- a/presentation.pptx
+++ b/presentation.pptx
@@ -3307,6 +3307,78 @@
           </a:p>
         </p:txBody>
       </p:sp>
+      <p:pic>
+        <p:nvPicPr>
+          <p:cNvPr id="3" name="Picture 2" descr="Chart&#10;&#10;Description automatically generated">
+            <a:extLst>
+              <a:ext uri="{FF2B5EF4-FFF2-40B4-BE49-F238E27FC236}">
+                <a16:creationId xmlns:a16="http://schemas.microsoft.com/office/drawing/2014/main" id="{A48689FB-8096-5A4E-937A-DED8CD11CD5E}"/>
+              </a:ext>
+            </a:extLst>
+          </p:cNvPr>
+          <p:cNvPicPr>
+            <a:picLocks noChangeAspect="1"/>
+          </p:cNvPicPr>
+          <p:nvPr/>
+        </p:nvPicPr>
+        <p:blipFill>
+          <a:blip r:embed="rId3">
+            <a:extLst>
+              <a:ext uri="{28A0092B-C50C-407E-A947-70E740481C1C}">
+                <a14:useLocalDpi xmlns:a14="http://schemas.microsoft.com/office/drawing/2010/main" val="0"/>
+              </a:ext>
+            </a:extLst>
+          </a:blip>
+          <a:stretch>
+            <a:fillRect/>
+          </a:stretch>
+        </p:blipFill>
+        <p:spPr>
+          <a:xfrm>
+            <a:off x="9513904" y="2859517"/>
+            <a:ext cx="1627135" cy="856387"/>
+          </a:xfrm>
+          <a:prstGeom prst="rect">
+            <a:avLst/>
+          </a:prstGeom>
+        </p:spPr>
+      </p:pic>
+      <p:pic>
+        <p:nvPicPr>
+          <p:cNvPr id="7" name="Picture 6" descr="A picture containing icon&#10;&#10;Description automatically generated">
+            <a:extLst>
+              <a:ext uri="{FF2B5EF4-FFF2-40B4-BE49-F238E27FC236}">
+                <a16:creationId xmlns:a16="http://schemas.microsoft.com/office/drawing/2014/main" id="{C863838F-863C-404B-AD60-7A690C590989}"/>
+              </a:ext>
+            </a:extLst>
+          </p:cNvPr>
+          <p:cNvPicPr>
+            <a:picLocks noChangeAspect="1"/>
+          </p:cNvPicPr>
+          <p:nvPr/>
+        </p:nvPicPr>
+        <p:blipFill>
+          <a:blip r:embed="rId4">
+            <a:extLst>
+              <a:ext uri="{28A0092B-C50C-407E-A947-70E740481C1C}">
+                <a14:useLocalDpi xmlns:a14="http://schemas.microsoft.com/office/drawing/2010/main" val="0"/>
+              </a:ext>
+            </a:extLst>
+          </a:blip>
+          <a:stretch>
+            <a:fillRect/>
+          </a:stretch>
+        </p:blipFill>
+        <p:spPr>
+          <a:xfrm>
+            <a:off x="1230853" y="2894971"/>
+            <a:ext cx="1627136" cy="1005717"/>
+          </a:xfrm>
+          <a:prstGeom prst="rect">
+            <a:avLst/>
+          </a:prstGeom>
+        </p:spPr>
+      </p:pic>
     </p:spTree>
     <p:extLst>
       <p:ext uri="{BB962C8B-B14F-4D97-AF65-F5344CB8AC3E}">
@@ -6646,77 +6718,6 @@
 </file>
 
 <file path=customXml/item1.xml><?xml version="1.0" encoding="utf-8"?>
-<p:properties xmlns:p="http://schemas.microsoft.com/office/2006/metadata/properties" xmlns:xsi="http://www.w3.org/2001/XMLSchema-instance" xmlns:pc="http://schemas.microsoft.com/office/infopath/2007/PartnerControls">
-  <documentManagement>
-    <_dlc_DocId xmlns="908d52fb-6c8a-4654-bc4a-8c35c4d900c1">WHVUDSAMT26N-1094746613-4304</_dlc_DocId>
-    <_dlc_DocIdUrl xmlns="908d52fb-6c8a-4654-bc4a-8c35c4d900c1">
-      <Url>https://globalpsa.sharepoint.com/sites/PSAC-SGICT-ICTDO-efile/_layouts/15/DocIdRedir.aspx?ID=WHVUDSAMT26N-1094746613-4304</Url>
-      <Description>WHVUDSAMT26N-1094746613-4304</Description>
-    </_dlc_DocIdUrl>
-  </documentManagement>
-</p:properties>
-</file>
-
-<file path=customXml/item2.xml><?xml version="1.0" encoding="utf-8"?>
-<?mso-contentType ?>
-<spe:Receivers xmlns:spe="http://schemas.microsoft.com/sharepoint/events">
-  <Receiver>
-    <Name>Document ID Generator</Name>
-    <Synchronization>Synchronous</Synchronization>
-    <Type>10001</Type>
-    <SequenceNumber>1000</SequenceNumber>
-    <Url/>
-    <Assembly>Microsoft.Office.DocumentManagement, Version=16.0.0.0, Culture=neutral, PublicKeyToken=71e9bce111e9429c</Assembly>
-    <Class>Microsoft.Office.DocumentManagement.Internal.DocIdHandler</Class>
-    <Data/>
-    <Filter/>
-  </Receiver>
-  <Receiver>
-    <Name>Document ID Generator</Name>
-    <Synchronization>Synchronous</Synchronization>
-    <Type>10002</Type>
-    <SequenceNumber>1001</SequenceNumber>
-    <Url/>
-    <Assembly>Microsoft.Office.DocumentManagement, Version=16.0.0.0, Culture=neutral, PublicKeyToken=71e9bce111e9429c</Assembly>
-    <Class>Microsoft.Office.DocumentManagement.Internal.DocIdHandler</Class>
-    <Data/>
-    <Filter/>
-  </Receiver>
-  <Receiver>
-    <Name>Document ID Generator</Name>
-    <Synchronization>Synchronous</Synchronization>
-    <Type>10004</Type>
-    <SequenceNumber>1002</SequenceNumber>
-    <Url/>
-    <Assembly>Microsoft.Office.DocumentManagement, Version=16.0.0.0, Culture=neutral, PublicKeyToken=71e9bce111e9429c</Assembly>
-    <Class>Microsoft.Office.DocumentManagement.Internal.DocIdHandler</Class>
-    <Data/>
-    <Filter/>
-  </Receiver>
-  <Receiver>
-    <Name>Document ID Generator</Name>
-    <Synchronization>Synchronous</Synchronization>
-    <Type>10006</Type>
-    <SequenceNumber>1003</SequenceNumber>
-    <Url/>
-    <Assembly>Microsoft.Office.DocumentManagement, Version=16.0.0.0, Culture=neutral, PublicKeyToken=71e9bce111e9429c</Assembly>
-    <Class>Microsoft.Office.DocumentManagement.Internal.DocIdHandler</Class>
-    <Data/>
-    <Filter/>
-  </Receiver>
-</spe:Receivers>
-</file>
-
-<file path=customXml/item3.xml><?xml version="1.0" encoding="utf-8"?>
-<?mso-contentType ?>
-<FormTemplates xmlns="http://schemas.microsoft.com/sharepoint/v3/contenttype/forms">
-  <Display>DocumentLibraryForm</Display>
-  <Edit>DocumentLibraryForm</Edit>
-  <New>DocumentLibraryForm</New>
-</FormTemplates>
-</file>
-
-<file path=customXml/item4.xml><?xml version="1.0" encoding="utf-8"?>
 <ct:contentTypeSchema xmlns:ct="http://schemas.microsoft.com/office/2006/metadata/contentType" xmlns:ma="http://schemas.microsoft.com/office/2006/metadata/properties/metaAttributes" ct:_="" ma:_="" ma:contentTypeName="Document" ma:contentTypeID="0x010100B419C53955F94548AFB48F1890E7CC03" ma:contentTypeVersion="12" ma:contentTypeDescription="Create a new document." ma:contentTypeScope="" ma:versionID="6326873e5ed68abdc1ce9d1a07b4dc6f">
   <xsd:schema xmlns:xsd="http://www.w3.org/2001/XMLSchema" xmlns:xs="http://www.w3.org/2001/XMLSchema" xmlns:p="http://schemas.microsoft.com/office/2006/metadata/properties" xmlns:ns2="908d52fb-6c8a-4654-bc4a-8c35c4d900c1" xmlns:ns3="8f3b7c45-6b86-453e-b393-eb457520baf9" targetNamespace="http://schemas.microsoft.com/office/2006/metadata/properties" ma:root="true" ma:fieldsID="c79fff4759ea4b740e4478ba89b9bc44" ns2:_="" ns3:_="">
     <xsd:import namespace="908d52fb-6c8a-4654-bc4a-8c35c4d900c1"/>
@@ -6958,39 +6959,78 @@
 </ct:contentTypeSchema>
 </file>
 
-<file path=customXml/itemProps1.xml><?xml version="1.0" encoding="utf-8"?>
-<ds:datastoreItem xmlns:ds="http://schemas.openxmlformats.org/officeDocument/2006/customXml" ds:itemID="{3DFA8A59-A2A3-4A5C-BA15-C6CF8DEBE301}">
-  <ds:schemaRefs>
-    <ds:schemaRef ds:uri="http://purl.org/dc/elements/1.1/"/>
-    <ds:schemaRef ds:uri="http://purl.org/dc/terms/"/>
-    <ds:schemaRef ds:uri="http://schemas.microsoft.com/office/2006/documentManagement/types"/>
-    <ds:schemaRef ds:uri="http://purl.org/dc/dcmitype/"/>
-    <ds:schemaRef ds:uri="http://schemas.microsoft.com/office/infopath/2007/PartnerControls"/>
-    <ds:schemaRef ds:uri="http://schemas.openxmlformats.org/package/2006/metadata/core-properties"/>
-    <ds:schemaRef ds:uri="http://schemas.microsoft.com/office/2006/metadata/properties"/>
-    <ds:schemaRef ds:uri="http://www.w3.org/XML/1998/namespace"/>
-    <ds:schemaRef ds:uri="908d52fb-6c8a-4654-bc4a-8c35c4d900c1"/>
-  </ds:schemaRefs>
-</ds:datastoreItem>
+<file path=customXml/item2.xml><?xml version="1.0" encoding="utf-8"?>
+<?mso-contentType ?>
+<FormTemplates xmlns="http://schemas.microsoft.com/sharepoint/v3/contenttype/forms">
+  <Display>DocumentLibraryForm</Display>
+  <Edit>DocumentLibraryForm</Edit>
+  <New>DocumentLibraryForm</New>
+</FormTemplates>
 </file>
 
-<file path=customXml/itemProps2.xml><?xml version="1.0" encoding="utf-8"?>
-<ds:datastoreItem xmlns:ds="http://schemas.openxmlformats.org/officeDocument/2006/customXml" ds:itemID="{D92A5593-E31E-402F-B6F0-67B428338BDA}">
-  <ds:schemaRefs>
-    <ds:schemaRef ds:uri="http://schemas.microsoft.com/sharepoint/events"/>
-  </ds:schemaRefs>
-</ds:datastoreItem>
+<file path=customXml/item3.xml><?xml version="1.0" encoding="utf-8"?>
+<?mso-contentType ?>
+<spe:Receivers xmlns:spe="http://schemas.microsoft.com/sharepoint/events">
+  <Receiver>
+    <Name>Document ID Generator</Name>
+    <Synchronization>Synchronous</Synchronization>
+    <Type>10001</Type>
+    <SequenceNumber>1000</SequenceNumber>
+    <Url/>
+    <Assembly>Microsoft.Office.DocumentManagement, Version=16.0.0.0, Culture=neutral, PublicKeyToken=71e9bce111e9429c</Assembly>
+    <Class>Microsoft.Office.DocumentManagement.Internal.DocIdHandler</Class>
+    <Data/>
+    <Filter/>
+  </Receiver>
+  <Receiver>
+    <Name>Document ID Generator</Name>
+    <Synchronization>Synchronous</Synchronization>
+    <Type>10002</Type>
+    <SequenceNumber>1001</SequenceNumber>
+    <Url/>
+    <Assembly>Microsoft.Office.DocumentManagement, Version=16.0.0.0, Culture=neutral, PublicKeyToken=71e9bce111e9429c</Assembly>
+    <Class>Microsoft.Office.DocumentManagement.Internal.DocIdHandler</Class>
+    <Data/>
+    <Filter/>
+  </Receiver>
+  <Receiver>
+    <Name>Document ID Generator</Name>
+    <Synchronization>Synchronous</Synchronization>
+    <Type>10004</Type>
+    <SequenceNumber>1002</SequenceNumber>
+    <Url/>
+    <Assembly>Microsoft.Office.DocumentManagement, Version=16.0.0.0, Culture=neutral, PublicKeyToken=71e9bce111e9429c</Assembly>
+    <Class>Microsoft.Office.DocumentManagement.Internal.DocIdHandler</Class>
+    <Data/>
+    <Filter/>
+  </Receiver>
+  <Receiver>
+    <Name>Document ID Generator</Name>
+    <Synchronization>Synchronous</Synchronization>
+    <Type>10006</Type>
+    <SequenceNumber>1003</SequenceNumber>
+    <Url/>
+    <Assembly>Microsoft.Office.DocumentManagement, Version=16.0.0.0, Culture=neutral, PublicKeyToken=71e9bce111e9429c</Assembly>
+    <Class>Microsoft.Office.DocumentManagement.Internal.DocIdHandler</Class>
+    <Data/>
+    <Filter/>
+  </Receiver>
+</spe:Receivers>
 </file>
 
-<file path=customXml/itemProps3.xml><?xml version="1.0" encoding="utf-8"?>
-<ds:datastoreItem xmlns:ds="http://schemas.openxmlformats.org/officeDocument/2006/customXml" ds:itemID="{AD1602A4-6988-4F92-BB76-FBEF5DA35EBB}">
-  <ds:schemaRefs>
-    <ds:schemaRef ds:uri="http://schemas.microsoft.com/sharepoint/v3/contenttype/forms"/>
-  </ds:schemaRefs>
-</ds:datastoreItem>
+<file path=customXml/item4.xml><?xml version="1.0" encoding="utf-8"?>
+<p:properties xmlns:p="http://schemas.microsoft.com/office/2006/metadata/properties" xmlns:xsi="http://www.w3.org/2001/XMLSchema-instance" xmlns:pc="http://schemas.microsoft.com/office/infopath/2007/PartnerControls">
+  <documentManagement>
+    <_dlc_DocId xmlns="908d52fb-6c8a-4654-bc4a-8c35c4d900c1">WHVUDSAMT26N-1094746613-4304</_dlc_DocId>
+    <_dlc_DocIdUrl xmlns="908d52fb-6c8a-4654-bc4a-8c35c4d900c1">
+      <Url>https://globalpsa.sharepoint.com/sites/PSAC-SGICT-ICTDO-efile/_layouts/15/DocIdRedir.aspx?ID=WHVUDSAMT26N-1094746613-4304</Url>
+      <Description>WHVUDSAMT26N-1094746613-4304</Description>
+    </_dlc_DocIdUrl>
+  </documentManagement>
+</p:properties>
 </file>
 
-<file path=customXml/itemProps4.xml><?xml version="1.0" encoding="utf-8"?>
+<file path=customXml/itemProps1.xml><?xml version="1.0" encoding="utf-8"?>
 <ds:datastoreItem xmlns:ds="http://schemas.openxmlformats.org/officeDocument/2006/customXml" ds:itemID="{3E7557D8-22C9-4C0B-B6ED-4AF11ABC9B21}">
   <ds:schemaRefs>
     <ds:schemaRef ds:uri="http://schemas.microsoft.com/office/2006/metadata/contentType"/>
@@ -7007,4 +7047,36 @@
     <ds:schemaRef ds:uri="http://schemas.microsoft.com/internal/obd"/>
   </ds:schemaRefs>
 </ds:datastoreItem>
+</file>
+
+<file path=customXml/itemProps2.xml><?xml version="1.0" encoding="utf-8"?>
+<ds:datastoreItem xmlns:ds="http://schemas.openxmlformats.org/officeDocument/2006/customXml" ds:itemID="{AD1602A4-6988-4F92-BB76-FBEF5DA35EBB}">
+  <ds:schemaRefs>
+    <ds:schemaRef ds:uri="http://schemas.microsoft.com/sharepoint/v3/contenttype/forms"/>
+  </ds:schemaRefs>
+</ds:datastoreItem>
+</file>
+
+<file path=customXml/itemProps3.xml><?xml version="1.0" encoding="utf-8"?>
+<ds:datastoreItem xmlns:ds="http://schemas.openxmlformats.org/officeDocument/2006/customXml" ds:itemID="{D92A5593-E31E-402F-B6F0-67B428338BDA}">
+  <ds:schemaRefs>
+    <ds:schemaRef ds:uri="http://schemas.microsoft.com/sharepoint/events"/>
+  </ds:schemaRefs>
+</ds:datastoreItem>
+</file>
+
+<file path=customXml/itemProps4.xml><?xml version="1.0" encoding="utf-8"?>
+<ds:datastoreItem xmlns:ds="http://schemas.openxmlformats.org/officeDocument/2006/customXml" ds:itemID="{3DFA8A59-A2A3-4A5C-BA15-C6CF8DEBE301}">
+  <ds:schemaRefs>
+    <ds:schemaRef ds:uri="http://purl.org/dc/elements/1.1/"/>
+    <ds:schemaRef ds:uri="http://purl.org/dc/terms/"/>
+    <ds:schemaRef ds:uri="http://schemas.microsoft.com/office/2006/documentManagement/types"/>
+    <ds:schemaRef ds:uri="http://purl.org/dc/dcmitype/"/>
+    <ds:schemaRef ds:uri="http://schemas.microsoft.com/office/infopath/2007/PartnerControls"/>
+    <ds:schemaRef ds:uri="http://schemas.openxmlformats.org/package/2006/metadata/core-properties"/>
+    <ds:schemaRef ds:uri="http://schemas.microsoft.com/office/2006/metadata/properties"/>
+    <ds:schemaRef ds:uri="http://www.w3.org/XML/1998/namespace"/>
+    <ds:schemaRef ds:uri="908d52fb-6c8a-4654-bc4a-8c35c4d900c1"/>
+  </ds:schemaRefs>
+</ds:datastoreItem>
 </file>